--- a/images/price.pptx
+++ b/images/price.pptx
@@ -260,7 +260,7 @@
           <a:p>
             <a:fld id="{E53FE4FD-6FFD-49AA-9D6E-E3135E1DB8E4}" type="datetimeFigureOut">
               <a:rPr lang="zh-CN" altLang="en-US" smtClean="0"/>
-              <a:t>2025/4/13</a:t>
+              <a:t>2026/1/9</a:t>
             </a:fld>
             <a:endParaRPr lang="zh-CN" altLang="en-US"/>
           </a:p>
@@ -458,7 +458,7 @@
           <a:p>
             <a:fld id="{E53FE4FD-6FFD-49AA-9D6E-E3135E1DB8E4}" type="datetimeFigureOut">
               <a:rPr lang="zh-CN" altLang="en-US" smtClean="0"/>
-              <a:t>2025/4/13</a:t>
+              <a:t>2026/1/9</a:t>
             </a:fld>
             <a:endParaRPr lang="zh-CN" altLang="en-US"/>
           </a:p>
@@ -666,7 +666,7 @@
           <a:p>
             <a:fld id="{E53FE4FD-6FFD-49AA-9D6E-E3135E1DB8E4}" type="datetimeFigureOut">
               <a:rPr lang="zh-CN" altLang="en-US" smtClean="0"/>
-              <a:t>2025/4/13</a:t>
+              <a:t>2026/1/9</a:t>
             </a:fld>
             <a:endParaRPr lang="zh-CN" altLang="en-US"/>
           </a:p>
@@ -864,7 +864,7 @@
           <a:p>
             <a:fld id="{E53FE4FD-6FFD-49AA-9D6E-E3135E1DB8E4}" type="datetimeFigureOut">
               <a:rPr lang="zh-CN" altLang="en-US" smtClean="0"/>
-              <a:t>2025/4/13</a:t>
+              <a:t>2026/1/9</a:t>
             </a:fld>
             <a:endParaRPr lang="zh-CN" altLang="en-US"/>
           </a:p>
@@ -1139,7 +1139,7 @@
           <a:p>
             <a:fld id="{E53FE4FD-6FFD-49AA-9D6E-E3135E1DB8E4}" type="datetimeFigureOut">
               <a:rPr lang="zh-CN" altLang="en-US" smtClean="0"/>
-              <a:t>2025/4/13</a:t>
+              <a:t>2026/1/9</a:t>
             </a:fld>
             <a:endParaRPr lang="zh-CN" altLang="en-US"/>
           </a:p>
@@ -1404,7 +1404,7 @@
           <a:p>
             <a:fld id="{E53FE4FD-6FFD-49AA-9D6E-E3135E1DB8E4}" type="datetimeFigureOut">
               <a:rPr lang="zh-CN" altLang="en-US" smtClean="0"/>
-              <a:t>2025/4/13</a:t>
+              <a:t>2026/1/9</a:t>
             </a:fld>
             <a:endParaRPr lang="zh-CN" altLang="en-US"/>
           </a:p>
@@ -1816,7 +1816,7 @@
           <a:p>
             <a:fld id="{E53FE4FD-6FFD-49AA-9D6E-E3135E1DB8E4}" type="datetimeFigureOut">
               <a:rPr lang="zh-CN" altLang="en-US" smtClean="0"/>
-              <a:t>2025/4/13</a:t>
+              <a:t>2026/1/9</a:t>
             </a:fld>
             <a:endParaRPr lang="zh-CN" altLang="en-US"/>
           </a:p>
@@ -1957,7 +1957,7 @@
           <a:p>
             <a:fld id="{E53FE4FD-6FFD-49AA-9D6E-E3135E1DB8E4}" type="datetimeFigureOut">
               <a:rPr lang="zh-CN" altLang="en-US" smtClean="0"/>
-              <a:t>2025/4/13</a:t>
+              <a:t>2026/1/9</a:t>
             </a:fld>
             <a:endParaRPr lang="zh-CN" altLang="en-US"/>
           </a:p>
@@ -2070,7 +2070,7 @@
           <a:p>
             <a:fld id="{E53FE4FD-6FFD-49AA-9D6E-E3135E1DB8E4}" type="datetimeFigureOut">
               <a:rPr lang="zh-CN" altLang="en-US" smtClean="0"/>
-              <a:t>2025/4/13</a:t>
+              <a:t>2026/1/9</a:t>
             </a:fld>
             <a:endParaRPr lang="zh-CN" altLang="en-US"/>
           </a:p>
@@ -2381,7 +2381,7 @@
           <a:p>
             <a:fld id="{E53FE4FD-6FFD-49AA-9D6E-E3135E1DB8E4}" type="datetimeFigureOut">
               <a:rPr lang="zh-CN" altLang="en-US" smtClean="0"/>
-              <a:t>2025/4/13</a:t>
+              <a:t>2026/1/9</a:t>
             </a:fld>
             <a:endParaRPr lang="zh-CN" altLang="en-US"/>
           </a:p>
@@ -2669,7 +2669,7 @@
           <a:p>
             <a:fld id="{E53FE4FD-6FFD-49AA-9D6E-E3135E1DB8E4}" type="datetimeFigureOut">
               <a:rPr lang="zh-CN" altLang="en-US" smtClean="0"/>
-              <a:t>2025/4/13</a:t>
+              <a:t>2026/1/9</a:t>
             </a:fld>
             <a:endParaRPr lang="zh-CN" altLang="en-US"/>
           </a:p>
@@ -2910,7 +2910,7 @@
           <a:p>
             <a:fld id="{E53FE4FD-6FFD-49AA-9D6E-E3135E1DB8E4}" type="datetimeFigureOut">
               <a:rPr lang="zh-CN" altLang="en-US" smtClean="0"/>
-              <a:t>2025/4/13</a:t>
+              <a:t>2026/1/9</a:t>
             </a:fld>
             <a:endParaRPr lang="zh-CN" altLang="en-US"/>
           </a:p>
@@ -3327,6 +3327,52 @@
           <a:chExt cx="0" cy="0"/>
         </a:xfrm>
       </p:grpSpPr>
+      <p:sp>
+        <p:nvSpPr>
+          <p:cNvPr id="3" name="矩形 2">
+            <a:extLst>
+              <a:ext uri="{FF2B5EF4-FFF2-40B4-BE49-F238E27FC236}">
+                <a16:creationId xmlns:a16="http://schemas.microsoft.com/office/drawing/2014/main" id="{A1755A2D-3A5B-E423-2D5C-F7956E669977}"/>
+              </a:ext>
+            </a:extLst>
+          </p:cNvPr>
+          <p:cNvSpPr/>
+          <p:nvPr/>
+        </p:nvSpPr>
+        <p:spPr>
+          <a:xfrm>
+            <a:off x="2602523" y="-984739"/>
+            <a:ext cx="13340861" cy="7479323"/>
+          </a:xfrm>
+          <a:prstGeom prst="rect">
+            <a:avLst/>
+          </a:prstGeom>
+        </p:spPr>
+        <p:style>
+          <a:lnRef idx="2">
+            <a:schemeClr val="accent1">
+              <a:shade val="15000"/>
+            </a:schemeClr>
+          </a:lnRef>
+          <a:fillRef idx="1">
+            <a:schemeClr val="accent1"/>
+          </a:fillRef>
+          <a:effectRef idx="0">
+            <a:schemeClr val="accent1"/>
+          </a:effectRef>
+          <a:fontRef idx="minor">
+            <a:schemeClr val="lt1"/>
+          </a:fontRef>
+        </p:style>
+        <p:txBody>
+          <a:bodyPr rtlCol="0" anchor="ctr"/>
+          <a:lstStyle/>
+          <a:p>
+            <a:pPr algn="ctr"/>
+            <a:endParaRPr lang="zh-CN" altLang="en-US"/>
+          </a:p>
+        </p:txBody>
+      </p:sp>
       <p:graphicFrame>
         <p:nvGraphicFramePr>
           <p:cNvPr id="6" name="表格 5">
@@ -3342,13 +3388,13 @@
           <p:nvPr>
             <p:extLst>
               <p:ext uri="{D42A27DB-BD31-4B8C-83A1-F6EECF244321}">
-                <p14:modId xmlns:p14="http://schemas.microsoft.com/office/powerpoint/2010/main" val="1189287177"/>
+                <p14:modId xmlns:p14="http://schemas.microsoft.com/office/powerpoint/2010/main" val="896491178"/>
               </p:ext>
             </p:extLst>
           </p:nvPr>
         </p:nvGraphicFramePr>
         <p:xfrm>
-          <a:off x="-11125149" y="-1130710"/>
+          <a:off x="-10803937" y="-842889"/>
           <a:ext cx="10087144" cy="6309360"/>
         </p:xfrm>
         <a:graphic>
@@ -4064,6 +4110,527 @@
       </p:graphicFrame>
       <p:graphicFrame>
         <p:nvGraphicFramePr>
+          <p:cNvPr id="4" name="表格 3">
+            <a:extLst>
+              <a:ext uri="{FF2B5EF4-FFF2-40B4-BE49-F238E27FC236}">
+                <a16:creationId xmlns:a16="http://schemas.microsoft.com/office/drawing/2014/main" id="{F99C404A-5CEB-2765-EBD6-58CCFFE4E613}"/>
+              </a:ext>
+            </a:extLst>
+          </p:cNvPr>
+          <p:cNvGraphicFramePr>
+            <a:graphicFrameLocks noGrp="1"/>
+          </p:cNvGraphicFramePr>
+          <p:nvPr>
+            <p:extLst>
+              <p:ext uri="{D42A27DB-BD31-4B8C-83A1-F6EECF244321}">
+                <p14:modId xmlns:p14="http://schemas.microsoft.com/office/powerpoint/2010/main" val="3014363983"/>
+              </p:ext>
+            </p:extLst>
+          </p:nvPr>
+        </p:nvGraphicFramePr>
+        <p:xfrm>
+          <a:off x="5692421" y="6858000"/>
+          <a:ext cx="10087144" cy="4206240"/>
+        </p:xfrm>
+        <a:graphic>
+          <a:graphicData uri="http://schemas.openxmlformats.org/drawingml/2006/table">
+            <a:tbl>
+              <a:tblPr firstRow="1" bandRow="1">
+                <a:tableStyleId>{2D5ABB26-0587-4C30-8999-92F81FD0307C}</a:tableStyleId>
+              </a:tblPr>
+              <a:tblGrid>
+                <a:gridCol w="2894056">
+                  <a:extLst>
+                    <a:ext uri="{9D8B030D-6E8A-4147-A177-3AD203B41FA5}">
+                      <a16:colId xmlns:a16="http://schemas.microsoft.com/office/drawing/2014/main" val="3328437243"/>
+                    </a:ext>
+                  </a:extLst>
+                </a:gridCol>
+                <a:gridCol w="3830707">
+                  <a:extLst>
+                    <a:ext uri="{9D8B030D-6E8A-4147-A177-3AD203B41FA5}">
+                      <a16:colId xmlns:a16="http://schemas.microsoft.com/office/drawing/2014/main" val="381677737"/>
+                    </a:ext>
+                  </a:extLst>
+                </a:gridCol>
+                <a:gridCol w="3362381">
+                  <a:extLst>
+                    <a:ext uri="{9D8B030D-6E8A-4147-A177-3AD203B41FA5}">
+                      <a16:colId xmlns:a16="http://schemas.microsoft.com/office/drawing/2014/main" val="2196963052"/>
+                    </a:ext>
+                  </a:extLst>
+                </a:gridCol>
+              </a:tblGrid>
+              <a:tr h="621695">
+                <a:tc gridSpan="3">
+                  <a:txBody>
+                    <a:bodyPr/>
+                    <a:lstStyle/>
+                    <a:p>
+                      <a:pPr algn="ctr"/>
+                      <a:r>
+                        <a:rPr lang="en-US" altLang="zh-CN" sz="4000" b="1" dirty="0">
+                          <a:solidFill>
+                            <a:schemeClr val="bg1"/>
+                          </a:solidFill>
+                          <a:latin typeface="Montserrat" pitchFamily="2" charset="0"/>
+                          <a:ea typeface="+mn-ea"/>
+                          <a:cs typeface="Mongolian Baiti" panose="03000500000000000000" pitchFamily="66" charset="0"/>
+                        </a:rPr>
+                        <a:t>ARKISIN LOUNASBUFFET</a:t>
+                      </a:r>
+                      <a:endParaRPr lang="zh-CN" altLang="en-US" sz="4000" b="1" dirty="0">
+                        <a:solidFill>
+                          <a:schemeClr val="bg1"/>
+                        </a:solidFill>
+                        <a:latin typeface="Montserrat" pitchFamily="2" charset="0"/>
+                        <a:ea typeface="+mn-ea"/>
+                        <a:cs typeface="Mongolian Baiti" panose="03000500000000000000" pitchFamily="66" charset="0"/>
+                      </a:endParaRPr>
+                    </a:p>
+                  </a:txBody>
+                  <a:tcPr anchor="ctr"/>
+                </a:tc>
+                <a:tc hMerge="1">
+                  <a:txBody>
+                    <a:bodyPr/>
+                    <a:lstStyle/>
+                    <a:p>
+                      <a:endParaRPr lang="zh-CN" altLang="en-US"/>
+                    </a:p>
+                  </a:txBody>
+                  <a:tcPr/>
+                </a:tc>
+                <a:tc hMerge="1">
+                  <a:txBody>
+                    <a:bodyPr/>
+                    <a:lstStyle/>
+                    <a:p>
+                      <a:endParaRPr lang="zh-CN" altLang="en-US" dirty="0"/>
+                    </a:p>
+                  </a:txBody>
+                  <a:tcPr/>
+                </a:tc>
+                <a:extLst>
+                  <a:ext uri="{0D108BD9-81ED-4DB2-BD59-A6C34878D82A}">
+                    <a16:rowId xmlns:a16="http://schemas.microsoft.com/office/drawing/2014/main" val="893339351"/>
+                  </a:ext>
+                </a:extLst>
+              </a:tr>
+              <a:tr h="621695">
+                <a:tc>
+                  <a:txBody>
+                    <a:bodyPr/>
+                    <a:lstStyle/>
+                    <a:p>
+                      <a:pPr algn="ctr"/>
+                      <a:r>
+                        <a:rPr lang="en-US" altLang="zh-CN" sz="4000" b="1" dirty="0">
+                          <a:solidFill>
+                            <a:schemeClr val="bg1"/>
+                          </a:solidFill>
+                          <a:latin typeface="Montserrat" pitchFamily="2" charset="0"/>
+                          <a:ea typeface="+mn-ea"/>
+                          <a:cs typeface="Mongolian Baiti" panose="03000500000000000000" pitchFamily="66" charset="0"/>
+                        </a:rPr>
+                        <a:t>MA - PE</a:t>
+                      </a:r>
+                      <a:endParaRPr lang="zh-CN" altLang="en-US" sz="4000" b="1" dirty="0">
+                        <a:solidFill>
+                          <a:schemeClr val="bg1"/>
+                        </a:solidFill>
+                        <a:latin typeface="Montserrat" pitchFamily="2" charset="0"/>
+                        <a:ea typeface="+mn-ea"/>
+                        <a:cs typeface="Mongolian Baiti" panose="03000500000000000000" pitchFamily="66" charset="0"/>
+                      </a:endParaRPr>
+                    </a:p>
+                  </a:txBody>
+                  <a:tcPr anchor="ctr"/>
+                </a:tc>
+                <a:tc>
+                  <a:txBody>
+                    <a:bodyPr/>
+                    <a:lstStyle/>
+                    <a:p>
+                      <a:pPr algn="ctr"/>
+                      <a:r>
+                        <a:rPr lang="en-US" altLang="zh-CN" sz="4000" b="1" dirty="0">
+                          <a:solidFill>
+                            <a:schemeClr val="bg1"/>
+                          </a:solidFill>
+                          <a:latin typeface="Montserrat" pitchFamily="2" charset="0"/>
+                          <a:ea typeface="+mn-ea"/>
+                          <a:cs typeface="Mongolian Baiti" panose="03000500000000000000" pitchFamily="66" charset="0"/>
+                        </a:rPr>
+                        <a:t>10:30 – 21:00</a:t>
+                      </a:r>
+                      <a:endParaRPr lang="zh-CN" altLang="en-US" sz="4000" b="1" dirty="0">
+                        <a:solidFill>
+                          <a:schemeClr val="bg1"/>
+                        </a:solidFill>
+                        <a:latin typeface="Montserrat" pitchFamily="2" charset="0"/>
+                        <a:ea typeface="+mn-ea"/>
+                        <a:cs typeface="Mongolian Baiti" panose="03000500000000000000" pitchFamily="66" charset="0"/>
+                      </a:endParaRPr>
+                    </a:p>
+                  </a:txBody>
+                  <a:tcPr anchor="ctr"/>
+                </a:tc>
+                <a:tc>
+                  <a:txBody>
+                    <a:bodyPr/>
+                    <a:lstStyle/>
+                    <a:p>
+                      <a:pPr algn="ctr"/>
+                      <a:r>
+                        <a:rPr lang="en-US" altLang="zh-CN" sz="4000" b="1" dirty="0">
+                          <a:solidFill>
+                            <a:schemeClr val="bg1"/>
+                          </a:solidFill>
+                          <a:latin typeface="Montserrat" pitchFamily="2" charset="0"/>
+                          <a:ea typeface="+mn-ea"/>
+                          <a:cs typeface="Mongolian Baiti" panose="03000500000000000000" pitchFamily="66" charset="0"/>
+                        </a:rPr>
+                        <a:t>14.9</a:t>
+                      </a:r>
+                      <a:r>
+                        <a:rPr lang="zh-CN" altLang="en-US" sz="4000" b="1" dirty="0">
+                          <a:solidFill>
+                            <a:schemeClr val="bg1"/>
+                          </a:solidFill>
+                          <a:latin typeface="Montserrat" pitchFamily="2" charset="0"/>
+                          <a:ea typeface="+mn-ea"/>
+                          <a:cs typeface="Mongolian Baiti" panose="03000500000000000000" pitchFamily="66" charset="0"/>
+                        </a:rPr>
+                        <a:t>€</a:t>
+                      </a:r>
+                    </a:p>
+                  </a:txBody>
+                  <a:tcPr anchor="ctr"/>
+                </a:tc>
+                <a:extLst>
+                  <a:ext uri="{0D108BD9-81ED-4DB2-BD59-A6C34878D82A}">
+                    <a16:rowId xmlns:a16="http://schemas.microsoft.com/office/drawing/2014/main" val="4244479592"/>
+                  </a:ext>
+                </a:extLst>
+              </a:tr>
+              <a:tr h="621695">
+                <a:tc>
+                  <a:txBody>
+                    <a:bodyPr/>
+                    <a:lstStyle/>
+                    <a:p>
+                      <a:pPr algn="ctr"/>
+                      <a:endParaRPr lang="zh-CN" altLang="en-US" sz="4000" b="1" dirty="0">
+                        <a:solidFill>
+                          <a:schemeClr val="bg1"/>
+                        </a:solidFill>
+                        <a:latin typeface="Montserrat" pitchFamily="2" charset="0"/>
+                        <a:ea typeface="+mn-ea"/>
+                        <a:cs typeface="Mongolian Baiti" panose="03000500000000000000" pitchFamily="66" charset="0"/>
+                      </a:endParaRPr>
+                    </a:p>
+                  </a:txBody>
+                  <a:tcPr anchor="ctr"/>
+                </a:tc>
+                <a:tc>
+                  <a:txBody>
+                    <a:bodyPr/>
+                    <a:lstStyle/>
+                    <a:p>
+                      <a:pPr algn="ctr"/>
+                      <a:endParaRPr lang="zh-CN" altLang="en-US" sz="4000" b="1" dirty="0">
+                        <a:solidFill>
+                          <a:schemeClr val="bg1"/>
+                        </a:solidFill>
+                        <a:latin typeface="Montserrat" pitchFamily="2" charset="0"/>
+                        <a:ea typeface="+mn-ea"/>
+                        <a:cs typeface="Mongolian Baiti" panose="03000500000000000000" pitchFamily="66" charset="0"/>
+                      </a:endParaRPr>
+                    </a:p>
+                  </a:txBody>
+                  <a:tcPr anchor="ctr"/>
+                </a:tc>
+                <a:tc>
+                  <a:txBody>
+                    <a:bodyPr/>
+                    <a:lstStyle/>
+                    <a:p>
+                      <a:pPr algn="ctr"/>
+                      <a:endParaRPr lang="zh-CN" altLang="en-US" sz="4000" b="1" dirty="0">
+                        <a:solidFill>
+                          <a:schemeClr val="bg1"/>
+                        </a:solidFill>
+                        <a:latin typeface="Montserrat" pitchFamily="2" charset="0"/>
+                        <a:ea typeface="+mn-ea"/>
+                        <a:cs typeface="Mongolian Baiti" panose="03000500000000000000" pitchFamily="66" charset="0"/>
+                      </a:endParaRPr>
+                    </a:p>
+                  </a:txBody>
+                  <a:tcPr anchor="ctr"/>
+                </a:tc>
+                <a:extLst>
+                  <a:ext uri="{0D108BD9-81ED-4DB2-BD59-A6C34878D82A}">
+                    <a16:rowId xmlns:a16="http://schemas.microsoft.com/office/drawing/2014/main" val="1516119737"/>
+                  </a:ext>
+                </a:extLst>
+              </a:tr>
+              <a:tr h="621695">
+                <a:tc gridSpan="3">
+                  <a:txBody>
+                    <a:bodyPr/>
+                    <a:lstStyle/>
+                    <a:p>
+                      <a:pPr algn="ctr"/>
+                      <a:r>
+                        <a:rPr lang="en-US" altLang="zh-CN" sz="4000" b="1" dirty="0">
+                          <a:solidFill>
+                            <a:schemeClr val="bg1"/>
+                          </a:solidFill>
+                          <a:latin typeface="Montserrat" pitchFamily="2" charset="0"/>
+                          <a:ea typeface="+mn-ea"/>
+                          <a:cs typeface="Mongolian Baiti" panose="03000500000000000000" pitchFamily="66" charset="0"/>
+                        </a:rPr>
+                        <a:t>VIIKONLOPPU</a:t>
+                      </a:r>
+                      <a:endParaRPr lang="zh-CN" altLang="en-US" sz="4000" b="1" dirty="0">
+                        <a:solidFill>
+                          <a:schemeClr val="bg1"/>
+                        </a:solidFill>
+                        <a:latin typeface="Montserrat" pitchFamily="2" charset="0"/>
+                        <a:ea typeface="+mn-ea"/>
+                        <a:cs typeface="Mongolian Baiti" panose="03000500000000000000" pitchFamily="66" charset="0"/>
+                      </a:endParaRPr>
+                    </a:p>
+                  </a:txBody>
+                  <a:tcPr anchor="ctr"/>
+                </a:tc>
+                <a:tc hMerge="1">
+                  <a:txBody>
+                    <a:bodyPr/>
+                    <a:lstStyle/>
+                    <a:p>
+                      <a:endParaRPr lang="zh-CN" altLang="en-US"/>
+                    </a:p>
+                  </a:txBody>
+                  <a:tcPr/>
+                </a:tc>
+                <a:tc hMerge="1">
+                  <a:txBody>
+                    <a:bodyPr/>
+                    <a:lstStyle/>
+                    <a:p>
+                      <a:endParaRPr lang="zh-CN" altLang="en-US" dirty="0"/>
+                    </a:p>
+                  </a:txBody>
+                  <a:tcPr/>
+                </a:tc>
+                <a:extLst>
+                  <a:ext uri="{0D108BD9-81ED-4DB2-BD59-A6C34878D82A}">
+                    <a16:rowId xmlns:a16="http://schemas.microsoft.com/office/drawing/2014/main" val="2108026027"/>
+                  </a:ext>
+                </a:extLst>
+              </a:tr>
+              <a:tr h="621695">
+                <a:tc>
+                  <a:txBody>
+                    <a:bodyPr/>
+                    <a:lstStyle/>
+                    <a:p>
+                      <a:pPr algn="ctr"/>
+                      <a:r>
+                        <a:rPr lang="en-US" altLang="zh-CN" sz="4000" b="1" dirty="0">
+                          <a:solidFill>
+                            <a:schemeClr val="bg1"/>
+                          </a:solidFill>
+                          <a:latin typeface="Montserrat" pitchFamily="2" charset="0"/>
+                          <a:ea typeface="+mn-ea"/>
+                          <a:cs typeface="Mongolian Baiti" panose="03000500000000000000" pitchFamily="66" charset="0"/>
+                        </a:rPr>
+                        <a:t>LA</a:t>
+                      </a:r>
+                      <a:endParaRPr lang="zh-CN" altLang="en-US" sz="4000" b="1" dirty="0">
+                        <a:solidFill>
+                          <a:schemeClr val="bg1"/>
+                        </a:solidFill>
+                        <a:latin typeface="Montserrat" pitchFamily="2" charset="0"/>
+                        <a:ea typeface="+mn-ea"/>
+                        <a:cs typeface="Mongolian Baiti" panose="03000500000000000000" pitchFamily="66" charset="0"/>
+                      </a:endParaRPr>
+                    </a:p>
+                  </a:txBody>
+                  <a:tcPr anchor="ctr"/>
+                </a:tc>
+                <a:tc>
+                  <a:txBody>
+                    <a:bodyPr/>
+                    <a:lstStyle/>
+                    <a:p>
+                      <a:pPr algn="ctr"/>
+                      <a:r>
+                        <a:rPr lang="en-US" altLang="zh-CN" sz="4000" b="1" dirty="0">
+                          <a:solidFill>
+                            <a:schemeClr val="bg1"/>
+                          </a:solidFill>
+                          <a:latin typeface="Montserrat" pitchFamily="2" charset="0"/>
+                          <a:ea typeface="+mn-ea"/>
+                          <a:cs typeface="Mongolian Baiti" panose="03000500000000000000" pitchFamily="66" charset="0"/>
+                        </a:rPr>
+                        <a:t>11:00 – 21:00</a:t>
+                      </a:r>
+                      <a:endParaRPr lang="zh-CN" altLang="en-US" sz="4000" b="1" dirty="0">
+                        <a:solidFill>
+                          <a:schemeClr val="bg1"/>
+                        </a:solidFill>
+                        <a:latin typeface="Montserrat" pitchFamily="2" charset="0"/>
+                        <a:ea typeface="+mn-ea"/>
+                        <a:cs typeface="Mongolian Baiti" panose="03000500000000000000" pitchFamily="66" charset="0"/>
+                      </a:endParaRPr>
+                    </a:p>
+                  </a:txBody>
+                  <a:tcPr anchor="ctr"/>
+                </a:tc>
+                <a:tc>
+                  <a:txBody>
+                    <a:bodyPr/>
+                    <a:lstStyle/>
+                    <a:p>
+                      <a:pPr algn="ctr"/>
+                      <a:r>
+                        <a:rPr lang="en-US" altLang="zh-CN" sz="4000" b="1" dirty="0">
+                          <a:solidFill>
+                            <a:schemeClr val="bg1"/>
+                          </a:solidFill>
+                          <a:latin typeface="Montserrat" pitchFamily="2" charset="0"/>
+                          <a:ea typeface="+mn-ea"/>
+                          <a:cs typeface="Mongolian Baiti" panose="03000500000000000000" pitchFamily="66" charset="0"/>
+                        </a:rPr>
+                        <a:t>17.9</a:t>
+                      </a:r>
+                      <a:r>
+                        <a:rPr lang="zh-CN" altLang="en-US" sz="4000" b="1" dirty="0">
+                          <a:solidFill>
+                            <a:schemeClr val="bg1"/>
+                          </a:solidFill>
+                          <a:latin typeface="Montserrat" pitchFamily="2" charset="0"/>
+                          <a:ea typeface="+mn-ea"/>
+                          <a:cs typeface="Mongolian Baiti" panose="03000500000000000000" pitchFamily="66" charset="0"/>
+                        </a:rPr>
+                        <a:t>€</a:t>
+                      </a:r>
+                    </a:p>
+                  </a:txBody>
+                  <a:tcPr anchor="ctr"/>
+                </a:tc>
+                <a:extLst>
+                  <a:ext uri="{0D108BD9-81ED-4DB2-BD59-A6C34878D82A}">
+                    <a16:rowId xmlns:a16="http://schemas.microsoft.com/office/drawing/2014/main" val="1594928918"/>
+                  </a:ext>
+                </a:extLst>
+              </a:tr>
+              <a:tr h="621695">
+                <a:tc>
+                  <a:txBody>
+                    <a:bodyPr/>
+                    <a:lstStyle/>
+                    <a:p>
+                      <a:pPr algn="ctr"/>
+                      <a:r>
+                        <a:rPr lang="en-US" altLang="zh-CN" sz="4000" b="1" dirty="0">
+                          <a:solidFill>
+                            <a:schemeClr val="bg1"/>
+                          </a:solidFill>
+                          <a:latin typeface="Montserrat" pitchFamily="2" charset="0"/>
+                          <a:ea typeface="+mn-ea"/>
+                          <a:cs typeface="Mongolian Baiti" panose="03000500000000000000" pitchFamily="66" charset="0"/>
+                        </a:rPr>
+                        <a:t>SU</a:t>
+                      </a:r>
+                      <a:endParaRPr lang="zh-CN" altLang="en-US" sz="4000" b="1" dirty="0">
+                        <a:solidFill>
+                          <a:schemeClr val="bg1"/>
+                        </a:solidFill>
+                        <a:latin typeface="Montserrat" pitchFamily="2" charset="0"/>
+                        <a:ea typeface="+mn-ea"/>
+                        <a:cs typeface="Mongolian Baiti" panose="03000500000000000000" pitchFamily="66" charset="0"/>
+                      </a:endParaRPr>
+                    </a:p>
+                  </a:txBody>
+                  <a:tcPr anchor="ctr"/>
+                </a:tc>
+                <a:tc>
+                  <a:txBody>
+                    <a:bodyPr/>
+                    <a:lstStyle/>
+                    <a:p>
+                      <a:pPr algn="ctr"/>
+                      <a:r>
+                        <a:rPr lang="en-US" altLang="zh-CN" sz="4000" b="1" dirty="0">
+                          <a:solidFill>
+                            <a:schemeClr val="bg1"/>
+                          </a:solidFill>
+                          <a:latin typeface="Montserrat" pitchFamily="2" charset="0"/>
+                          <a:ea typeface="+mn-ea"/>
+                          <a:cs typeface="Mongolian Baiti" panose="03000500000000000000" pitchFamily="66" charset="0"/>
+                        </a:rPr>
+                        <a:t>12:00 – 20:00</a:t>
+                      </a:r>
+                      <a:endParaRPr lang="zh-CN" altLang="en-US" sz="4000" b="1" dirty="0">
+                        <a:solidFill>
+                          <a:schemeClr val="bg1"/>
+                        </a:solidFill>
+                        <a:latin typeface="Montserrat" pitchFamily="2" charset="0"/>
+                        <a:ea typeface="+mn-ea"/>
+                        <a:cs typeface="Mongolian Baiti" panose="03000500000000000000" pitchFamily="66" charset="0"/>
+                      </a:endParaRPr>
+                    </a:p>
+                  </a:txBody>
+                  <a:tcPr anchor="ctr"/>
+                </a:tc>
+                <a:tc>
+                  <a:txBody>
+                    <a:bodyPr/>
+                    <a:lstStyle/>
+                    <a:p>
+                      <a:pPr algn="ctr"/>
+                      <a:r>
+                        <a:rPr lang="en-US" altLang="zh-CN" sz="4000" b="1" dirty="0">
+                          <a:solidFill>
+                            <a:schemeClr val="bg1"/>
+                          </a:solidFill>
+                          <a:latin typeface="Montserrat" pitchFamily="2" charset="0"/>
+                          <a:ea typeface="+mn-ea"/>
+                          <a:cs typeface="Mongolian Baiti" panose="03000500000000000000" pitchFamily="66" charset="0"/>
+                        </a:rPr>
+                        <a:t>17.9</a:t>
+                      </a:r>
+                      <a:r>
+                        <a:rPr lang="zh-CN" altLang="en-US" sz="4000" b="1" dirty="0">
+                          <a:solidFill>
+                            <a:schemeClr val="bg1"/>
+                          </a:solidFill>
+                          <a:latin typeface="Montserrat" pitchFamily="2" charset="0"/>
+                          <a:ea typeface="+mn-ea"/>
+                          <a:cs typeface="Mongolian Baiti" panose="03000500000000000000" pitchFamily="66" charset="0"/>
+                        </a:rPr>
+                        <a:t>€</a:t>
+                      </a:r>
+                    </a:p>
+                  </a:txBody>
+                  <a:tcPr anchor="ctr"/>
+                </a:tc>
+                <a:extLst>
+                  <a:ext uri="{0D108BD9-81ED-4DB2-BD59-A6C34878D82A}">
+                    <a16:rowId xmlns:a16="http://schemas.microsoft.com/office/drawing/2014/main" val="3479387361"/>
+                  </a:ext>
+                </a:extLst>
+              </a:tr>
+            </a:tbl>
+          </a:graphicData>
+        </a:graphic>
+      </p:graphicFrame>
+      <p:graphicFrame>
+        <p:nvGraphicFramePr>
           <p:cNvPr id="2" name="表格 1">
             <a:extLst>
               <a:ext uri="{FF2B5EF4-FFF2-40B4-BE49-F238E27FC236}">
@@ -4077,13 +4644,13 @@
           <p:nvPr>
             <p:extLst>
               <p:ext uri="{D42A27DB-BD31-4B8C-83A1-F6EECF244321}">
-                <p14:modId xmlns:p14="http://schemas.microsoft.com/office/powerpoint/2010/main" val="336434762"/>
+                <p14:modId xmlns:p14="http://schemas.microsoft.com/office/powerpoint/2010/main" val="1943934757"/>
               </p:ext>
             </p:extLst>
           </p:nvPr>
         </p:nvGraphicFramePr>
         <p:xfrm>
-          <a:off x="-7855037" y="7342921"/>
+          <a:off x="511723" y="1002322"/>
           <a:ext cx="6817032" cy="3505200"/>
         </p:xfrm>
         <a:graphic>
@@ -4508,7 +5075,7 @@
                           </a:solidFill>
                           <a:latin typeface="Montserrat" pitchFamily="2" charset="0"/>
                         </a:rPr>
-                        <a:t>9€</a:t>
+                        <a:t>7€</a:t>
                       </a:r>
                       <a:endParaRPr lang="zh-CN" altLang="en-US" sz="4000" b="1" kern="1200" dirty="0">
                         <a:solidFill>
